--- a/Sowbhagya.pptx
+++ b/Sowbhagya.pptx
@@ -106,7 +106,7 @@
   </p:defaultTextStyle>
   <p:extLst>
     <p:ext uri="{EFAFB233-063F-42B5-8137-9DF3F51BA10A}">
-      <p15:sldGuideLst xmlns:p15="http://schemas.microsoft.com/office/powerpoint/2012/main">
+      <p15:sldGuideLst xmlns:p15="http://schemas.microsoft.com/office/powerpoint/2012/main" xmlns="">
         <p15:guide id="1" orient="horz" pos="2160">
           <p15:clr>
             <a:srgbClr val="A4A3A4"/>
@@ -3091,10 +3091,10 @@
           <a:lstStyle/>
           <a:p>
             <a:r>
-              <a:rPr lang="en-US" smtClean="0"/>
+              <a:rPr lang="en-US" dirty="0" smtClean="0"/>
               <a:t>presentation</a:t>
             </a:r>
-            <a:endParaRPr lang="en-IN"/>
+            <a:endParaRPr lang="en-IN" dirty="0"/>
           </a:p>
         </p:txBody>
       </p:sp>
@@ -3114,12 +3114,10 @@
           <a:lstStyle/>
           <a:p>
             <a:r>
-              <a:rPr lang="en-IN" dirty="0" smtClean="0"/>
-              <a:t>Core java</a:t>
-            </a:r>
-          </a:p>
-          <a:p>
-            <a:endParaRPr lang="en-IN" dirty="0"/>
+              <a:rPr lang="en-US" smtClean="0"/>
+              <a:t>Saubhagya</a:t>
+            </a:r>
+            <a:endParaRPr lang="en-IN" dirty="0" smtClean="0"/>
           </a:p>
         </p:txBody>
       </p:sp>
